--- a/presentations/20140316-RIPE-ACH project.pptx
+++ b/presentations/20140316-RIPE-ACH project.pptx
@@ -238,7 +238,7 @@
           <a:p>
             <a:fld id="{E10B4001-CD18-4312-9795-665ED90C6D88}" type="datetimeFigureOut">
               <a:rPr lang="de-AT" smtClean="0"/>
-              <a:t>3/17/14</a:t>
+              <a:t>10/6/14</a:t>
             </a:fld>
             <a:endParaRPr lang="de-AT"/>
           </a:p>
@@ -403,7 +403,7 @@
           <a:p>
             <a:fld id="{ABD7BA35-4792-AE4F-B7A6-A4BCD39DEB01}" type="datetimeFigureOut">
               <a:rPr lang="de-DE" smtClean="0"/>
-              <a:t>3/17/14</a:t>
+              <a:t>10/6/14</a:t>
             </a:fld>
             <a:endParaRPr lang="de-DE"/>
           </a:p>
@@ -952,7 +952,7 @@
           <a:p>
             <a:fld id="{8862424E-C109-F440-84A3-689A668A7AFE}" type="datetimeFigureOut">
               <a:rPr lang="de-DE" smtClean="0"/>
-              <a:t>3/17/14</a:t>
+              <a:t>10/6/14</a:t>
             </a:fld>
             <a:endParaRPr lang="de-DE"/>
           </a:p>
@@ -1122,7 +1122,7 @@
           <a:p>
             <a:fld id="{8862424E-C109-F440-84A3-689A668A7AFE}" type="datetimeFigureOut">
               <a:rPr lang="de-DE" smtClean="0"/>
-              <a:t>3/17/14</a:t>
+              <a:t>10/6/14</a:t>
             </a:fld>
             <a:endParaRPr lang="de-DE"/>
           </a:p>
@@ -1302,7 +1302,7 @@
           <a:p>
             <a:fld id="{8862424E-C109-F440-84A3-689A668A7AFE}" type="datetimeFigureOut">
               <a:rPr lang="de-DE" smtClean="0"/>
-              <a:t>3/17/14</a:t>
+              <a:t>10/6/14</a:t>
             </a:fld>
             <a:endParaRPr lang="de-DE"/>
           </a:p>
@@ -1472,7 +1472,7 @@
           <a:p>
             <a:fld id="{8862424E-C109-F440-84A3-689A668A7AFE}" type="datetimeFigureOut">
               <a:rPr lang="de-DE" smtClean="0"/>
-              <a:t>3/17/14</a:t>
+              <a:t>10/6/14</a:t>
             </a:fld>
             <a:endParaRPr lang="de-DE"/>
           </a:p>
@@ -1718,7 +1718,7 @@
           <a:p>
             <a:fld id="{8862424E-C109-F440-84A3-689A668A7AFE}" type="datetimeFigureOut">
               <a:rPr lang="de-DE" smtClean="0"/>
-              <a:t>3/17/14</a:t>
+              <a:t>10/6/14</a:t>
             </a:fld>
             <a:endParaRPr lang="de-DE"/>
           </a:p>
@@ -2006,7 +2006,7 @@
           <a:p>
             <a:fld id="{8862424E-C109-F440-84A3-689A668A7AFE}" type="datetimeFigureOut">
               <a:rPr lang="de-DE" smtClean="0"/>
-              <a:t>3/17/14</a:t>
+              <a:t>10/6/14</a:t>
             </a:fld>
             <a:endParaRPr lang="de-DE"/>
           </a:p>
@@ -2428,7 +2428,7 @@
           <a:p>
             <a:fld id="{8862424E-C109-F440-84A3-689A668A7AFE}" type="datetimeFigureOut">
               <a:rPr lang="de-DE" smtClean="0"/>
-              <a:t>3/17/14</a:t>
+              <a:t>10/6/14</a:t>
             </a:fld>
             <a:endParaRPr lang="de-DE"/>
           </a:p>
@@ -2546,7 +2546,7 @@
           <a:p>
             <a:fld id="{8862424E-C109-F440-84A3-689A668A7AFE}" type="datetimeFigureOut">
               <a:rPr lang="de-DE" smtClean="0"/>
-              <a:t>3/17/14</a:t>
+              <a:t>10/6/14</a:t>
             </a:fld>
             <a:endParaRPr lang="de-DE"/>
           </a:p>
@@ -2641,7 +2641,7 @@
           <a:p>
             <a:fld id="{8862424E-C109-F440-84A3-689A668A7AFE}" type="datetimeFigureOut">
               <a:rPr lang="de-DE" smtClean="0"/>
-              <a:t>3/17/14</a:t>
+              <a:t>10/6/14</a:t>
             </a:fld>
             <a:endParaRPr lang="de-DE"/>
           </a:p>
@@ -2918,7 +2918,7 @@
           <a:p>
             <a:fld id="{8862424E-C109-F440-84A3-689A668A7AFE}" type="datetimeFigureOut">
               <a:rPr lang="de-DE" smtClean="0"/>
-              <a:t>3/17/14</a:t>
+              <a:t>10/6/14</a:t>
             </a:fld>
             <a:endParaRPr lang="de-DE"/>
           </a:p>
@@ -3171,7 +3171,7 @@
           <a:p>
             <a:fld id="{8862424E-C109-F440-84A3-689A668A7AFE}" type="datetimeFigureOut">
               <a:rPr lang="de-DE" smtClean="0"/>
-              <a:t>3/17/14</a:t>
+              <a:t>10/6/14</a:t>
             </a:fld>
             <a:endParaRPr lang="de-DE"/>
           </a:p>
@@ -3384,7 +3384,7 @@
           <a:p>
             <a:fld id="{8862424E-C109-F440-84A3-689A668A7AFE}" type="datetimeFigureOut">
               <a:rPr lang="de-DE" smtClean="0"/>
-              <a:t>3/17/14</a:t>
+              <a:t>10/6/14</a:t>
             </a:fld>
             <a:endParaRPr lang="de-DE"/>
           </a:p>
@@ -8921,7 +8921,7 @@
         <p:spPr/>
         <p:txBody>
           <a:bodyPr>
-            <a:normAutofit lnSpcReduction="10000"/>
+            <a:normAutofit fontScale="92500" lnSpcReduction="20000"/>
           </a:bodyPr>
           <a:lstStyle/>
           <a:p>
@@ -9134,9 +9134,19 @@
               </a:rPr>
               <a:t>)</a:t>
             </a:r>
+          </a:p>
+          <a:p>
+            <a:r>
+              <a:rPr lang="de-DE" dirty="0" smtClean="0">
+                <a:solidFill>
+                  <a:srgbClr val="FF6600"/>
+                </a:solidFill>
+              </a:rPr>
+              <a:t>DANE</a:t>
+            </a:r>
             <a:endParaRPr lang="de-DE" dirty="0">
               <a:solidFill>
-                <a:srgbClr val="000000"/>
+                <a:srgbClr val="FF6600"/>
               </a:solidFill>
             </a:endParaRPr>
           </a:p>
@@ -10872,11 +10882,11 @@
   <p:clrMapOvr>
     <a:masterClrMapping/>
   </p:clrMapOvr>
-  <mc:AlternateContent xmlns:mc="http://schemas.openxmlformats.org/markup-compatibility/2006">
-    <mc:Choice xmlns:p14="http://schemas.microsoft.com/office/powerpoint/2010/main" Requires="p14">
+  <mc:AlternateContent xmlns:mc="http://schemas.openxmlformats.org/markup-compatibility/2006" xmlns:p14="http://schemas.microsoft.com/office/powerpoint/2010/main">
+    <mc:Choice Requires="p14">
       <p:transition spd="slow" p14:dur="2000"/>
     </mc:Choice>
-    <mc:Fallback>
+    <mc:Fallback xmlns="">
       <p:transition xmlns:p14="http://schemas.microsoft.com/office/powerpoint/2010/main" spd="slow"/>
     </mc:Fallback>
   </mc:AlternateContent>
